--- a/presentation.pptx
+++ b/presentation.pptx
@@ -7,6 +7,10 @@
   <p:sldIdLst>
     <p:sldId id="256" r:id="rId2"/>
     <p:sldId id="257" r:id="rId3"/>
+    <p:sldId id="258" r:id="rId4"/>
+    <p:sldId id="259" r:id="rId5"/>
+    <p:sldId id="260" r:id="rId6"/>
+    <p:sldId id="261" r:id="rId7"/>
   </p:sldIdLst>
   <p:sldSz cx="12192000" cy="6858000"/>
   <p:notesSz cx="6858000" cy="9144000"/>
@@ -105,6 +109,11 @@
       </a:defRPr>
     </a:lvl9pPr>
   </p:defaultTextStyle>
+  <p:extLst>
+    <p:ext uri="{EFAFB233-063F-42B5-8137-9DF3F51BA10A}">
+      <p15:sldGuideLst xmlns:p15="http://schemas.microsoft.com/office/powerpoint/2012/main"/>
+    </p:ext>
+  </p:extLst>
 </p:presentation>
 </file>
 
@@ -352,7 +361,7 @@
           <a:p>
             <a:fld id="{9184DA70-C731-4C70-880D-CCD4705E623C}" type="datetime1">
               <a:rPr lang="en-US" smtClean="0"/>
-              <a:t>13-Aug-19</a:t>
+              <a:t>14-Aug-19</a:t>
             </a:fld>
             <a:endParaRPr lang="en-US" dirty="0"/>
           </a:p>
@@ -540,7 +549,7 @@
           <a:p>
             <a:fld id="{B612A279-0833-481D-8C56-F67FD0AC6C50}" type="datetime1">
               <a:rPr lang="en-US" smtClean="0"/>
-              <a:t>13-Aug-19</a:t>
+              <a:t>14-Aug-19</a:t>
             </a:fld>
             <a:endParaRPr lang="en-US" dirty="0"/>
           </a:p>
@@ -782,7 +791,7 @@
           <a:p>
             <a:fld id="{6587DA83-5663-4C9C-B9AA-0B40A3DAFF81}" type="datetime1">
               <a:rPr lang="en-US" smtClean="0"/>
-              <a:t>13-Aug-19</a:t>
+              <a:t>14-Aug-19</a:t>
             </a:fld>
             <a:endParaRPr lang="en-US" dirty="0"/>
           </a:p>
@@ -970,7 +979,7 @@
           <a:p>
             <a:fld id="{4BE1D723-8F53-4F53-90B0-1982A396982E}" type="datetime1">
               <a:rPr lang="en-US" smtClean="0"/>
-              <a:t>13-Aug-19</a:t>
+              <a:t>14-Aug-19</a:t>
             </a:fld>
             <a:endParaRPr lang="en-US" dirty="0"/>
           </a:p>
@@ -1343,7 +1352,7 @@
           <a:p>
             <a:fld id="{97669AF7-7BEB-44E4-9852-375E34362B5B}" type="datetime1">
               <a:rPr lang="en-US" smtClean="0"/>
-              <a:t>13-Aug-19</a:t>
+              <a:t>14-Aug-19</a:t>
             </a:fld>
             <a:endParaRPr lang="en-US" dirty="0"/>
           </a:p>
@@ -1598,7 +1607,7 @@
           <a:p>
             <a:fld id="{BAAAC38D-0552-4C82-B593-E6124DFADBE2}" type="datetime1">
               <a:rPr lang="en-US" smtClean="0"/>
-              <a:t>13-Aug-19</a:t>
+              <a:t>14-Aug-19</a:t>
             </a:fld>
             <a:endParaRPr lang="en-US" dirty="0"/>
           </a:p>
@@ -1995,7 +2004,7 @@
           <a:p>
             <a:fld id="{D9DF0F1C-5577-4ACB-BB62-DF8F3C494C7E}" type="datetime1">
               <a:rPr lang="en-US" smtClean="0"/>
-              <a:t>13-Aug-19</a:t>
+              <a:t>14-Aug-19</a:t>
             </a:fld>
             <a:endParaRPr lang="en-US" dirty="0"/>
           </a:p>
@@ -2131,7 +2140,7 @@
           <a:p>
             <a:fld id="{1775B394-D9F9-4F0C-B15D-605F45CB9E9F}" type="datetime1">
               <a:rPr lang="en-US" smtClean="0"/>
-              <a:t>13-Aug-19</a:t>
+              <a:t>14-Aug-19</a:t>
             </a:fld>
             <a:endParaRPr lang="en-US" dirty="0"/>
           </a:p>
@@ -2288,7 +2297,7 @@
           <a:p>
             <a:fld id="{39667345-2558-425A-8533-9BFDBCE15005}" type="datetime1">
               <a:rPr lang="en-US" smtClean="0"/>
-              <a:t>13-Aug-19</a:t>
+              <a:t>14-Aug-19</a:t>
             </a:fld>
             <a:endParaRPr lang="en-US" dirty="0"/>
           </a:p>
@@ -2617,7 +2626,7 @@
           <a:p>
             <a:fld id="{92BEA474-078D-4E9B-9B14-09A87B19DC46}" type="datetime1">
               <a:rPr lang="en-US" smtClean="0"/>
-              <a:t>13-Aug-19</a:t>
+              <a:t>14-Aug-19</a:t>
             </a:fld>
             <a:endParaRPr lang="en-US" dirty="0"/>
           </a:p>
@@ -2967,7 +2976,7 @@
           <a:p>
             <a:fld id="{4907D986-8816-4272-A432-0437A28A9828}" type="datetime1">
               <a:rPr lang="en-US" smtClean="0"/>
-              <a:t>13-Aug-19</a:t>
+              <a:t>14-Aug-19</a:t>
             </a:fld>
             <a:endParaRPr lang="en-US" dirty="0"/>
           </a:p>
@@ -3228,7 +3237,7 @@
           <a:p>
             <a:fld id="{62D6E202-B606-4609-B914-27C9371A1F6D}" type="datetime1">
               <a:rPr lang="en-US" smtClean="0"/>
-              <a:t>13-Aug-19</a:t>
+              <a:t>14-Aug-19</a:t>
             </a:fld>
             <a:endParaRPr lang="en-US" dirty="0"/>
           </a:p>
@@ -4015,6 +4024,14 @@
 <file path=ppt/slides/slide2.xml><?xml version="1.0" encoding="utf-8"?>
 <p:sld xmlns:a="http://schemas.openxmlformats.org/drawingml/2006/main" xmlns:r="http://schemas.openxmlformats.org/officeDocument/2006/relationships" xmlns:p="http://schemas.openxmlformats.org/presentationml/2006/main">
   <p:cSld>
+    <p:bg>
+      <p:bgPr>
+        <a:solidFill>
+          <a:schemeClr val="bg1"/>
+        </a:solidFill>
+        <a:effectLst/>
+      </p:bgPr>
+    </p:bg>
     <p:spTree>
       <p:nvGrpSpPr>
         <p:cNvPr id="1" name=""/>
@@ -4029,6 +4046,121 @@
           <a:chExt cx="0" cy="0"/>
         </a:xfrm>
       </p:grpSpPr>
+      <p:sp useBgFill="1">
+        <p:nvSpPr>
+          <p:cNvPr id="15" name="Rectangle 14">
+            <a:extLst>
+              <a:ext uri="{FF2B5EF4-FFF2-40B4-BE49-F238E27FC236}">
+                <a16:creationId xmlns:a16="http://schemas.microsoft.com/office/drawing/2014/main" id="{3741B58E-3B65-4A01-A276-975AB2CF8A08}"/>
+              </a:ext>
+              <a:ext uri="{C183D7F6-B498-43B3-948B-1728B52AA6E4}">
+                <adec:decorative xmlns:adec="http://schemas.microsoft.com/office/drawing/2017/decorative" val="1"/>
+              </a:ext>
+            </a:extLst>
+          </p:cNvPr>
+          <p:cNvSpPr>
+            <a:spLocks noGrp="1" noRot="1" noChangeAspect="1" noMove="1" noResize="1" noEditPoints="1" noAdjustHandles="1" noChangeArrowheads="1" noChangeShapeType="1" noTextEdit="1"/>
+          </p:cNvSpPr>
+          <p:nvPr>
+            <p:extLst>
+              <p:ext uri="{386F3935-93C4-4BCD-93E2-E3B085C9AB24}">
+                <p16:designElem xmlns:p16="http://schemas.microsoft.com/office/powerpoint/2015/main" val="1"/>
+              </p:ext>
+            </p:extLst>
+          </p:nvPr>
+        </p:nvSpPr>
+        <p:spPr>
+          <a:xfrm>
+            <a:off x="0" y="0"/>
+            <a:ext cx="12186315" cy="6858000"/>
+          </a:xfrm>
+          <a:prstGeom prst="rect">
+            <a:avLst/>
+          </a:prstGeom>
+          <a:ln>
+            <a:noFill/>
+          </a:ln>
+        </p:spPr>
+        <p:style>
+          <a:lnRef idx="2">
+            <a:schemeClr val="accent6">
+              <a:shade val="50000"/>
+            </a:schemeClr>
+          </a:lnRef>
+          <a:fillRef idx="1001">
+            <a:schemeClr val="lt1"/>
+          </a:fillRef>
+          <a:effectRef idx="0">
+            <a:schemeClr val="accent6"/>
+          </a:effectRef>
+          <a:fontRef idx="minor">
+            <a:schemeClr val="lt1"/>
+          </a:fontRef>
+        </p:style>
+        <p:txBody>
+          <a:bodyPr rtlCol="0" anchor="ctr"/>
+          <a:lstStyle/>
+          <a:p>
+            <a:pPr algn="ctr"/>
+            <a:endParaRPr lang="en-US"/>
+          </a:p>
+        </p:txBody>
+      </p:sp>
+      <p:sp>
+        <p:nvSpPr>
+          <p:cNvPr id="17" name="Rectangle 16">
+            <a:extLst>
+              <a:ext uri="{FF2B5EF4-FFF2-40B4-BE49-F238E27FC236}">
+                <a16:creationId xmlns:a16="http://schemas.microsoft.com/office/drawing/2014/main" id="{7AAC67C3-831B-4AB1-A259-DFB839CAFAFC}"/>
+              </a:ext>
+              <a:ext uri="{C183D7F6-B498-43B3-948B-1728B52AA6E4}">
+                <adec:decorative xmlns:adec="http://schemas.microsoft.com/office/drawing/2017/decorative" val="1"/>
+              </a:ext>
+            </a:extLst>
+          </p:cNvPr>
+          <p:cNvSpPr>
+            <a:spLocks noGrp="1" noRot="1" noChangeAspect="1" noMove="1" noResize="1" noEditPoints="1" noAdjustHandles="1" noChangeArrowheads="1" noChangeShapeType="1" noTextEdit="1"/>
+          </p:cNvSpPr>
+          <p:nvPr>
+            <p:extLst>
+              <p:ext uri="{386F3935-93C4-4BCD-93E2-E3B085C9AB24}">
+                <p16:designElem xmlns:p16="http://schemas.microsoft.com/office/powerpoint/2015/main" val="1"/>
+              </p:ext>
+            </p:extLst>
+          </p:nvPr>
+        </p:nvSpPr>
+        <p:spPr>
+          <a:xfrm>
+            <a:off x="16" y="0"/>
+            <a:ext cx="4648593" cy="6858000"/>
+          </a:xfrm>
+          <a:prstGeom prst="rect">
+            <a:avLst/>
+          </a:prstGeom>
+          <a:solidFill>
+            <a:srgbClr val="262626"/>
+          </a:solidFill>
+          <a:ln>
+            <a:noFill/>
+          </a:ln>
+        </p:spPr>
+        <p:style>
+          <a:lnRef idx="2">
+            <a:schemeClr val="accent1">
+              <a:shade val="50000"/>
+            </a:schemeClr>
+          </a:lnRef>
+          <a:fillRef idx="1">
+            <a:schemeClr val="accent1"/>
+          </a:fillRef>
+          <a:effectRef idx="0">
+            <a:schemeClr val="accent1"/>
+          </a:effectRef>
+          <a:fontRef idx="minor">
+            <a:schemeClr val="lt1"/>
+          </a:fontRef>
+        </p:style>
+      </p:sp>
       <p:sp>
         <p:nvSpPr>
           <p:cNvPr id="2" name="Title 1">
@@ -4045,12 +4177,26 @@
             <p:ph type="title"/>
           </p:nvPr>
         </p:nvSpPr>
-        <p:spPr/>
-        <p:txBody>
-          <a:bodyPr/>
-          <a:lstStyle/>
-          <a:p>
-            <a:endParaRPr lang="en-US"/>
+        <p:spPr>
+          <a:xfrm>
+            <a:off x="492369" y="605896"/>
+            <a:ext cx="3642309" cy="5646208"/>
+          </a:xfrm>
+        </p:spPr>
+        <p:txBody>
+          <a:bodyPr anchor="ctr">
+            <a:normAutofit/>
+          </a:bodyPr>
+          <a:lstStyle/>
+          <a:p>
+            <a:r>
+              <a:rPr lang="en-US" sz="4400">
+                <a:solidFill>
+                  <a:srgbClr val="FFFFFF"/>
+                </a:solidFill>
+              </a:rPr>
+              <a:t>Work Accomplished</a:t>
+            </a:r>
           </a:p>
         </p:txBody>
       </p:sp>
@@ -4070,12 +4216,40 @@
             <p:ph idx="1"/>
           </p:nvPr>
         </p:nvSpPr>
-        <p:spPr/>
-        <p:txBody>
-          <a:bodyPr/>
-          <a:lstStyle/>
-          <a:p>
-            <a:endParaRPr lang="en-US"/>
+        <p:spPr>
+          <a:xfrm>
+            <a:off x="5231958" y="605896"/>
+            <a:ext cx="5923721" cy="5646208"/>
+          </a:xfrm>
+        </p:spPr>
+        <p:txBody>
+          <a:bodyPr anchor="ctr">
+            <a:normAutofit/>
+          </a:bodyPr>
+          <a:lstStyle/>
+          <a:p>
+            <a:r>
+              <a:rPr lang="en-US" sz="2400"/>
+              <a:t>Title page</a:t>
+            </a:r>
+          </a:p>
+          <a:p>
+            <a:r>
+              <a:rPr lang="en-US" sz="2400"/>
+              <a:t>Packages list</a:t>
+            </a:r>
+          </a:p>
+          <a:p>
+            <a:r>
+              <a:rPr lang="en-US" sz="2400"/>
+              <a:t>Register form</a:t>
+            </a:r>
+          </a:p>
+          <a:p>
+            <a:r>
+              <a:rPr lang="en-US" sz="2400"/>
+              <a:t>Contact us</a:t>
+            </a:r>
           </a:p>
         </p:txBody>
       </p:sp>
@@ -4083,6 +4257,1187 @@
     <p:extLst>
       <p:ext uri="{BB962C8B-B14F-4D97-AF65-F5344CB8AC3E}">
         <p14:creationId xmlns:p14="http://schemas.microsoft.com/office/powerpoint/2010/main" val="2107908750"/>
+      </p:ext>
+    </p:extLst>
+  </p:cSld>
+  <p:clrMapOvr>
+    <a:masterClrMapping/>
+  </p:clrMapOvr>
+</p:sld>
+</file>
+
+<file path=ppt/slides/slide3.xml><?xml version="1.0" encoding="utf-8"?>
+<p:sld xmlns:a="http://schemas.openxmlformats.org/drawingml/2006/main" xmlns:r="http://schemas.openxmlformats.org/officeDocument/2006/relationships" xmlns:p="http://schemas.openxmlformats.org/presentationml/2006/main">
+  <p:cSld>
+    <p:bg>
+      <p:bgPr>
+        <a:solidFill>
+          <a:schemeClr val="bg1"/>
+        </a:solidFill>
+        <a:effectLst/>
+      </p:bgPr>
+    </p:bg>
+    <p:spTree>
+      <p:nvGrpSpPr>
+        <p:cNvPr id="1" name=""/>
+        <p:cNvGrpSpPr/>
+        <p:nvPr/>
+      </p:nvGrpSpPr>
+      <p:grpSpPr>
+        <a:xfrm>
+          <a:off x="0" y="0"/>
+          <a:ext cx="0" cy="0"/>
+          <a:chOff x="0" y="0"/>
+          <a:chExt cx="0" cy="0"/>
+        </a:xfrm>
+      </p:grpSpPr>
+      <p:sp useBgFill="1">
+        <p:nvSpPr>
+          <p:cNvPr id="8" name="Rectangle 7">
+            <a:extLst>
+              <a:ext uri="{FF2B5EF4-FFF2-40B4-BE49-F238E27FC236}">
+                <a16:creationId xmlns:a16="http://schemas.microsoft.com/office/drawing/2014/main" id="{3741B58E-3B65-4A01-A276-975AB2CF8A08}"/>
+              </a:ext>
+              <a:ext uri="{C183D7F6-B498-43B3-948B-1728B52AA6E4}">
+                <adec:decorative xmlns:adec="http://schemas.microsoft.com/office/drawing/2017/decorative" val="1"/>
+              </a:ext>
+            </a:extLst>
+          </p:cNvPr>
+          <p:cNvSpPr>
+            <a:spLocks noGrp="1" noRot="1" noChangeAspect="1" noMove="1" noResize="1" noEditPoints="1" noAdjustHandles="1" noChangeArrowheads="1" noChangeShapeType="1" noTextEdit="1"/>
+          </p:cNvSpPr>
+          <p:nvPr>
+            <p:extLst>
+              <p:ext uri="{386F3935-93C4-4BCD-93E2-E3B085C9AB24}">
+                <p16:designElem xmlns:p16="http://schemas.microsoft.com/office/powerpoint/2015/main" val="1"/>
+              </p:ext>
+            </p:extLst>
+          </p:nvPr>
+        </p:nvSpPr>
+        <p:spPr>
+          <a:xfrm>
+            <a:off x="0" y="0"/>
+            <a:ext cx="12186315" cy="6858000"/>
+          </a:xfrm>
+          <a:prstGeom prst="rect">
+            <a:avLst/>
+          </a:prstGeom>
+          <a:ln>
+            <a:noFill/>
+          </a:ln>
+        </p:spPr>
+        <p:style>
+          <a:lnRef idx="2">
+            <a:schemeClr val="accent6">
+              <a:shade val="50000"/>
+            </a:schemeClr>
+          </a:lnRef>
+          <a:fillRef idx="1001">
+            <a:schemeClr val="lt1"/>
+          </a:fillRef>
+          <a:effectRef idx="0">
+            <a:schemeClr val="accent6"/>
+          </a:effectRef>
+          <a:fontRef idx="minor">
+            <a:schemeClr val="lt1"/>
+          </a:fontRef>
+        </p:style>
+        <p:txBody>
+          <a:bodyPr rtlCol="0" anchor="ctr"/>
+          <a:lstStyle/>
+          <a:p>
+            <a:pPr algn="ctr"/>
+            <a:endParaRPr lang="en-US"/>
+          </a:p>
+        </p:txBody>
+      </p:sp>
+      <p:sp>
+        <p:nvSpPr>
+          <p:cNvPr id="10" name="Rectangle 9">
+            <a:extLst>
+              <a:ext uri="{FF2B5EF4-FFF2-40B4-BE49-F238E27FC236}">
+                <a16:creationId xmlns:a16="http://schemas.microsoft.com/office/drawing/2014/main" id="{7AAC67C3-831B-4AB1-A259-DFB839CAFAFC}"/>
+              </a:ext>
+              <a:ext uri="{C183D7F6-B498-43B3-948B-1728B52AA6E4}">
+                <adec:decorative xmlns:adec="http://schemas.microsoft.com/office/drawing/2017/decorative" val="1"/>
+              </a:ext>
+            </a:extLst>
+          </p:cNvPr>
+          <p:cNvSpPr>
+            <a:spLocks noGrp="1" noRot="1" noChangeAspect="1" noMove="1" noResize="1" noEditPoints="1" noAdjustHandles="1" noChangeArrowheads="1" noChangeShapeType="1" noTextEdit="1"/>
+          </p:cNvSpPr>
+          <p:nvPr>
+            <p:extLst>
+              <p:ext uri="{386F3935-93C4-4BCD-93E2-E3B085C9AB24}">
+                <p16:designElem xmlns:p16="http://schemas.microsoft.com/office/powerpoint/2015/main" val="1"/>
+              </p:ext>
+            </p:extLst>
+          </p:nvPr>
+        </p:nvSpPr>
+        <p:spPr>
+          <a:xfrm>
+            <a:off x="16" y="0"/>
+            <a:ext cx="4648593" cy="6858000"/>
+          </a:xfrm>
+          <a:prstGeom prst="rect">
+            <a:avLst/>
+          </a:prstGeom>
+          <a:solidFill>
+            <a:srgbClr val="262626"/>
+          </a:solidFill>
+          <a:ln>
+            <a:noFill/>
+          </a:ln>
+        </p:spPr>
+        <p:style>
+          <a:lnRef idx="2">
+            <a:schemeClr val="accent1">
+              <a:shade val="50000"/>
+            </a:schemeClr>
+          </a:lnRef>
+          <a:fillRef idx="1">
+            <a:schemeClr val="accent1"/>
+          </a:fillRef>
+          <a:effectRef idx="0">
+            <a:schemeClr val="accent1"/>
+          </a:effectRef>
+          <a:fontRef idx="minor">
+            <a:schemeClr val="lt1"/>
+          </a:fontRef>
+        </p:style>
+      </p:sp>
+      <p:sp>
+        <p:nvSpPr>
+          <p:cNvPr id="2" name="Title 1">
+            <a:extLst>
+              <a:ext uri="{FF2B5EF4-FFF2-40B4-BE49-F238E27FC236}">
+                <a16:creationId xmlns:a16="http://schemas.microsoft.com/office/drawing/2014/main" id="{8D15D019-2EAB-490A-B762-52A0785005DB}"/>
+              </a:ext>
+            </a:extLst>
+          </p:cNvPr>
+          <p:cNvSpPr>
+            <a:spLocks noGrp="1"/>
+          </p:cNvSpPr>
+          <p:nvPr>
+            <p:ph type="title"/>
+          </p:nvPr>
+        </p:nvSpPr>
+        <p:spPr>
+          <a:xfrm>
+            <a:off x="492369" y="605896"/>
+            <a:ext cx="3642309" cy="5646208"/>
+          </a:xfrm>
+        </p:spPr>
+        <p:txBody>
+          <a:bodyPr anchor="ctr">
+            <a:normAutofit/>
+          </a:bodyPr>
+          <a:lstStyle/>
+          <a:p>
+            <a:r>
+              <a:rPr lang="en-US" sz="4400">
+                <a:solidFill>
+                  <a:srgbClr val="FFFFFF"/>
+                </a:solidFill>
+              </a:rPr>
+              <a:t>Project Design</a:t>
+            </a:r>
+          </a:p>
+        </p:txBody>
+      </p:sp>
+      <p:sp>
+        <p:nvSpPr>
+          <p:cNvPr id="3" name="Content Placeholder 2">
+            <a:extLst>
+              <a:ext uri="{FF2B5EF4-FFF2-40B4-BE49-F238E27FC236}">
+                <a16:creationId xmlns:a16="http://schemas.microsoft.com/office/drawing/2014/main" id="{63206C5F-975D-496A-B647-FE823F0B91CD}"/>
+              </a:ext>
+            </a:extLst>
+          </p:cNvPr>
+          <p:cNvSpPr>
+            <a:spLocks noGrp="1"/>
+          </p:cNvSpPr>
+          <p:nvPr>
+            <p:ph idx="1"/>
+          </p:nvPr>
+        </p:nvSpPr>
+        <p:spPr>
+          <a:xfrm>
+            <a:off x="5231958" y="605896"/>
+            <a:ext cx="5923721" cy="5646208"/>
+          </a:xfrm>
+        </p:spPr>
+        <p:txBody>
+          <a:bodyPr anchor="ctr">
+            <a:normAutofit/>
+          </a:bodyPr>
+          <a:lstStyle/>
+          <a:p>
+            <a:r>
+              <a:rPr lang="en-US" sz="2400" dirty="0"/>
+              <a:t>Single page design</a:t>
+            </a:r>
+          </a:p>
+          <a:p>
+            <a:r>
+              <a:rPr lang="en-US" sz="2400" dirty="0"/>
+              <a:t>Simple but effective layout</a:t>
+            </a:r>
+          </a:p>
+          <a:p>
+            <a:r>
+              <a:rPr lang="en-US" sz="2400" dirty="0"/>
+              <a:t>Clean without distractions</a:t>
+            </a:r>
+          </a:p>
+          <a:p>
+            <a:r>
+              <a:rPr lang="en-US" sz="2400" dirty="0"/>
+              <a:t>Visually appealing</a:t>
+            </a:r>
+          </a:p>
+          <a:p>
+            <a:endParaRPr lang="en-US" sz="2400" dirty="0"/>
+          </a:p>
+        </p:txBody>
+      </p:sp>
+    </p:spTree>
+    <p:extLst>
+      <p:ext uri="{BB962C8B-B14F-4D97-AF65-F5344CB8AC3E}">
+        <p14:creationId xmlns:p14="http://schemas.microsoft.com/office/powerpoint/2010/main" val="3084956565"/>
+      </p:ext>
+    </p:extLst>
+  </p:cSld>
+  <p:clrMapOvr>
+    <a:masterClrMapping/>
+  </p:clrMapOvr>
+</p:sld>
+</file>
+
+<file path=ppt/slides/slide4.xml><?xml version="1.0" encoding="utf-8"?>
+<p:sld xmlns:a="http://schemas.openxmlformats.org/drawingml/2006/main" xmlns:r="http://schemas.openxmlformats.org/officeDocument/2006/relationships" xmlns:p="http://schemas.openxmlformats.org/presentationml/2006/main">
+  <p:cSld>
+    <p:bg>
+      <p:bgPr>
+        <a:solidFill>
+          <a:schemeClr val="bg1"/>
+        </a:solidFill>
+        <a:effectLst/>
+      </p:bgPr>
+    </p:bg>
+    <p:spTree>
+      <p:nvGrpSpPr>
+        <p:cNvPr id="1" name=""/>
+        <p:cNvGrpSpPr/>
+        <p:nvPr/>
+      </p:nvGrpSpPr>
+      <p:grpSpPr>
+        <a:xfrm>
+          <a:off x="0" y="0"/>
+          <a:ext cx="0" cy="0"/>
+          <a:chOff x="0" y="0"/>
+          <a:chExt cx="0" cy="0"/>
+        </a:xfrm>
+      </p:grpSpPr>
+      <p:sp>
+        <p:nvSpPr>
+          <p:cNvPr id="45" name="Rectangle 44">
+            <a:extLst>
+              <a:ext uri="{FF2B5EF4-FFF2-40B4-BE49-F238E27FC236}">
+                <a16:creationId xmlns:a16="http://schemas.microsoft.com/office/drawing/2014/main" id="{39E3965E-AC41-4711-9D10-E25ABB132D86}"/>
+              </a:ext>
+              <a:ext uri="{C183D7F6-B498-43B3-948B-1728B52AA6E4}">
+                <adec:decorative xmlns:adec="http://schemas.microsoft.com/office/drawing/2017/decorative" val="1"/>
+              </a:ext>
+            </a:extLst>
+          </p:cNvPr>
+          <p:cNvSpPr>
+            <a:spLocks noGrp="1" noRot="1" noChangeAspect="1" noMove="1" noResize="1" noEditPoints="1" noAdjustHandles="1" noChangeArrowheads="1" noChangeShapeType="1" noTextEdit="1"/>
+          </p:cNvSpPr>
+          <p:nvPr>
+            <p:extLst>
+              <p:ext uri="{386F3935-93C4-4BCD-93E2-E3B085C9AB24}">
+                <p16:designElem xmlns:p16="http://schemas.microsoft.com/office/powerpoint/2015/main" val="1"/>
+              </p:ext>
+            </p:extLst>
+          </p:nvPr>
+        </p:nvSpPr>
+        <p:spPr>
+          <a:xfrm>
+            <a:off x="3175" y="6400800"/>
+            <a:ext cx="12188825" cy="457200"/>
+          </a:xfrm>
+          <a:prstGeom prst="rect">
+            <a:avLst/>
+          </a:prstGeom>
+          <a:solidFill>
+            <a:srgbClr val="262626"/>
+          </a:solidFill>
+          <a:ln>
+            <a:noFill/>
+          </a:ln>
+        </p:spPr>
+        <p:style>
+          <a:lnRef idx="2">
+            <a:schemeClr val="accent1">
+              <a:shade val="50000"/>
+            </a:schemeClr>
+          </a:lnRef>
+          <a:fillRef idx="1">
+            <a:schemeClr val="accent1"/>
+          </a:fillRef>
+          <a:effectRef idx="0">
+            <a:schemeClr val="accent1"/>
+          </a:effectRef>
+          <a:fontRef idx="minor">
+            <a:schemeClr val="lt1"/>
+          </a:fontRef>
+        </p:style>
+      </p:sp>
+      <p:cxnSp>
+        <p:nvCxnSpPr>
+          <p:cNvPr id="47" name="Straight Connector 46">
+            <a:extLst>
+              <a:ext uri="{FF2B5EF4-FFF2-40B4-BE49-F238E27FC236}">
+                <a16:creationId xmlns:a16="http://schemas.microsoft.com/office/drawing/2014/main" id="{1F5DC8C3-BA5F-4EED-BB9A-A14272BD82A1}"/>
+              </a:ext>
+              <a:ext uri="{C183D7F6-B498-43B3-948B-1728B52AA6E4}">
+                <adec:decorative xmlns:adec="http://schemas.microsoft.com/office/drawing/2017/decorative" val="1"/>
+              </a:ext>
+            </a:extLst>
+          </p:cNvPr>
+          <p:cNvCxnSpPr>
+            <a:cxnSpLocks noGrp="1" noRot="1" noChangeAspect="1" noMove="1" noResize="1" noEditPoints="1" noAdjustHandles="1" noChangeArrowheads="1" noChangeShapeType="1"/>
+          </p:cNvCxnSpPr>
+          <p:nvPr>
+            <p:extLst>
+              <p:ext uri="{386F3935-93C4-4BCD-93E2-E3B085C9AB24}">
+                <p16:designElem xmlns:p16="http://schemas.microsoft.com/office/powerpoint/2015/main" val="1"/>
+              </p:ext>
+            </p:extLst>
+          </p:nvPr>
+        </p:nvCxnSpPr>
+        <p:spPr>
+          <a:xfrm>
+            <a:off x="1207658" y="4474741"/>
+            <a:ext cx="9875520" cy="0"/>
+          </a:xfrm>
+          <a:prstGeom prst="line">
+            <a:avLst/>
+          </a:prstGeom>
+          <a:ln w="12700">
+            <a:solidFill>
+              <a:schemeClr val="tx1">
+                <a:lumMod val="75000"/>
+                <a:lumOff val="25000"/>
+              </a:schemeClr>
+            </a:solidFill>
+          </a:ln>
+        </p:spPr>
+        <p:style>
+          <a:lnRef idx="1">
+            <a:schemeClr val="accent1"/>
+          </a:lnRef>
+          <a:fillRef idx="0">
+            <a:schemeClr val="accent1"/>
+          </a:fillRef>
+          <a:effectRef idx="0">
+            <a:schemeClr val="accent1"/>
+          </a:effectRef>
+          <a:fontRef idx="minor">
+            <a:schemeClr val="tx1"/>
+          </a:fontRef>
+        </p:style>
+      </p:cxnSp>
+      <p:sp useBgFill="1">
+        <p:nvSpPr>
+          <p:cNvPr id="49" name="Rectangle 48">
+            <a:extLst>
+              <a:ext uri="{FF2B5EF4-FFF2-40B4-BE49-F238E27FC236}">
+                <a16:creationId xmlns:a16="http://schemas.microsoft.com/office/drawing/2014/main" id="{184CF176-5285-4F57-A3FF-F97742FC4D3D}"/>
+              </a:ext>
+              <a:ext uri="{C183D7F6-B498-43B3-948B-1728B52AA6E4}">
+                <adec:decorative xmlns:adec="http://schemas.microsoft.com/office/drawing/2017/decorative" val="1"/>
+              </a:ext>
+            </a:extLst>
+          </p:cNvPr>
+          <p:cNvSpPr>
+            <a:spLocks noGrp="1" noRot="1" noChangeAspect="1" noMove="1" noResize="1" noEditPoints="1" noAdjustHandles="1" noChangeArrowheads="1" noChangeShapeType="1" noTextEdit="1"/>
+          </p:cNvSpPr>
+          <p:nvPr>
+            <p:extLst>
+              <p:ext uri="{386F3935-93C4-4BCD-93E2-E3B085C9AB24}">
+                <p16:designElem xmlns:p16="http://schemas.microsoft.com/office/powerpoint/2015/main" val="1"/>
+              </p:ext>
+            </p:extLst>
+          </p:nvPr>
+        </p:nvSpPr>
+        <p:spPr>
+          <a:xfrm>
+            <a:off x="0" y="0"/>
+            <a:ext cx="12192001" cy="6334316"/>
+          </a:xfrm>
+          <a:prstGeom prst="rect">
+            <a:avLst/>
+          </a:prstGeom>
+          <a:ln>
+            <a:noFill/>
+          </a:ln>
+        </p:spPr>
+        <p:style>
+          <a:lnRef idx="2">
+            <a:schemeClr val="accent1">
+              <a:shade val="50000"/>
+            </a:schemeClr>
+          </a:lnRef>
+          <a:fillRef idx="1">
+            <a:schemeClr val="accent1"/>
+          </a:fillRef>
+          <a:effectRef idx="0">
+            <a:schemeClr val="accent1"/>
+          </a:effectRef>
+          <a:fontRef idx="minor">
+            <a:schemeClr val="lt1"/>
+          </a:fontRef>
+        </p:style>
+        <p:txBody>
+          <a:bodyPr rtlCol="0" anchor="ctr"/>
+          <a:lstStyle/>
+          <a:p>
+            <a:pPr algn="ctr"/>
+            <a:endParaRPr lang="en-US"/>
+          </a:p>
+        </p:txBody>
+      </p:sp>
+      <p:sp>
+        <p:nvSpPr>
+          <p:cNvPr id="2" name="Title 1">
+            <a:extLst>
+              <a:ext uri="{FF2B5EF4-FFF2-40B4-BE49-F238E27FC236}">
+                <a16:creationId xmlns:a16="http://schemas.microsoft.com/office/drawing/2014/main" id="{E93ED1D4-99E9-414C-BDAB-465B1254DB6E}"/>
+              </a:ext>
+            </a:extLst>
+          </p:cNvPr>
+          <p:cNvSpPr>
+            <a:spLocks noGrp="1"/>
+          </p:cNvSpPr>
+          <p:nvPr>
+            <p:ph type="title"/>
+          </p:nvPr>
+        </p:nvSpPr>
+        <p:spPr>
+          <a:xfrm>
+            <a:off x="6730000" y="639098"/>
+            <a:ext cx="4813072" cy="3494790"/>
+          </a:xfrm>
+        </p:spPr>
+        <p:txBody>
+          <a:bodyPr vert="horz" lIns="91440" tIns="45720" rIns="91440" bIns="45720" rtlCol="0" anchor="b">
+            <a:normAutofit/>
+          </a:bodyPr>
+          <a:lstStyle/>
+          <a:p>
+            <a:r>
+              <a:rPr lang="en-US" sz="5600">
+                <a:solidFill>
+                  <a:schemeClr val="tx1">
+                    <a:lumMod val="85000"/>
+                    <a:lumOff val="15000"/>
+                  </a:schemeClr>
+                </a:solidFill>
+              </a:rPr>
+              <a:t>Demonstration</a:t>
+            </a:r>
+          </a:p>
+        </p:txBody>
+      </p:sp>
+      <p:sp>
+        <p:nvSpPr>
+          <p:cNvPr id="33" name="Content Placeholder 32">
+            <a:extLst>
+              <a:ext uri="{FF2B5EF4-FFF2-40B4-BE49-F238E27FC236}">
+                <a16:creationId xmlns:a16="http://schemas.microsoft.com/office/drawing/2014/main" id="{1A5AC824-54D8-40AA-B59B-9E5C4308B2F0}"/>
+              </a:ext>
+            </a:extLst>
+          </p:cNvPr>
+          <p:cNvSpPr>
+            <a:spLocks noGrp="1"/>
+          </p:cNvSpPr>
+          <p:nvPr>
+            <p:ph idx="1"/>
+          </p:nvPr>
+        </p:nvSpPr>
+        <p:spPr>
+          <a:xfrm>
+            <a:off x="6729999" y="4455621"/>
+            <a:ext cx="4829101" cy="1238616"/>
+          </a:xfrm>
+        </p:spPr>
+        <p:txBody>
+          <a:bodyPr vert="horz" lIns="91440" tIns="45720" rIns="91440" bIns="45720" rtlCol="0">
+            <a:normAutofit/>
+          </a:bodyPr>
+          <a:lstStyle/>
+          <a:p>
+            <a:pPr marL="0" indent="0">
+              <a:buNone/>
+            </a:pPr>
+            <a:r>
+              <a:rPr lang="en-US" sz="2400" cap="all" spc="200">
+                <a:solidFill>
+                  <a:schemeClr val="tx1">
+                    <a:lumMod val="85000"/>
+                    <a:lumOff val="15000"/>
+                  </a:schemeClr>
+                </a:solidFill>
+                <a:hlinkClick r:id="rId2"/>
+              </a:rPr>
+              <a:t>Travel Experts</a:t>
+            </a:r>
+            <a:endParaRPr lang="en-US" sz="2400" cap="all" spc="200">
+              <a:solidFill>
+                <a:schemeClr val="tx1">
+                  <a:lumMod val="85000"/>
+                  <a:lumOff val="15000"/>
+                </a:schemeClr>
+              </a:solidFill>
+            </a:endParaRPr>
+          </a:p>
+        </p:txBody>
+      </p:sp>
+      <p:pic>
+        <p:nvPicPr>
+          <p:cNvPr id="31" name="Content Placeholder 6" descr="Teacher">
+            <a:extLst>
+              <a:ext uri="{FF2B5EF4-FFF2-40B4-BE49-F238E27FC236}">
+                <a16:creationId xmlns:a16="http://schemas.microsoft.com/office/drawing/2014/main" id="{81DCEB01-A19D-4934-9999-84410D24BDCB}"/>
+              </a:ext>
+            </a:extLst>
+          </p:cNvPr>
+          <p:cNvPicPr>
+            <a:picLocks noChangeAspect="1"/>
+          </p:cNvPicPr>
+          <p:nvPr/>
+        </p:nvPicPr>
+        <p:blipFill>
+          <a:blip r:embed="rId3">
+            <a:extLst>
+              <a:ext uri="{28A0092B-C50C-407E-A947-70E740481C1C}">
+                <a14:useLocalDpi xmlns:a14="http://schemas.microsoft.com/office/drawing/2010/main" val="0"/>
+              </a:ext>
+              <a:ext uri="{96DAC541-7B7A-43D3-8B79-37D633B846F1}">
+                <asvg:svgBlip xmlns:asvg="http://schemas.microsoft.com/office/drawing/2016/SVG/main" r:embed="rId4"/>
+              </a:ext>
+            </a:extLst>
+          </a:blip>
+          <a:stretch>
+            <a:fillRect/>
+          </a:stretch>
+        </p:blipFill>
+        <p:spPr>
+          <a:xfrm>
+            <a:off x="837921" y="640081"/>
+            <a:ext cx="5054156" cy="5054156"/>
+          </a:xfrm>
+          <a:prstGeom prst="rect">
+            <a:avLst/>
+          </a:prstGeom>
+        </p:spPr>
+      </p:pic>
+      <p:cxnSp>
+        <p:nvCxnSpPr>
+          <p:cNvPr id="51" name="Straight Connector 50">
+            <a:extLst>
+              <a:ext uri="{FF2B5EF4-FFF2-40B4-BE49-F238E27FC236}">
+                <a16:creationId xmlns:a16="http://schemas.microsoft.com/office/drawing/2014/main" id="{FCE0A9EA-62FA-4F43-BEF6-7BBBB3F90F25}"/>
+              </a:ext>
+              <a:ext uri="{C183D7F6-B498-43B3-948B-1728B52AA6E4}">
+                <adec:decorative xmlns:adec="http://schemas.microsoft.com/office/drawing/2017/decorative" val="1"/>
+              </a:ext>
+            </a:extLst>
+          </p:cNvPr>
+          <p:cNvCxnSpPr>
+            <a:cxnSpLocks noGrp="1" noRot="1" noChangeAspect="1" noMove="1" noResize="1" noEditPoints="1" noAdjustHandles="1" noChangeArrowheads="1" noChangeShapeType="1"/>
+          </p:cNvCxnSpPr>
+          <p:nvPr>
+            <p:extLst>
+              <p:ext uri="{386F3935-93C4-4BCD-93E2-E3B085C9AB24}">
+                <p16:designElem xmlns:p16="http://schemas.microsoft.com/office/powerpoint/2015/main" val="1"/>
+              </p:ext>
+            </p:extLst>
+          </p:nvPr>
+        </p:nvCxnSpPr>
+        <p:spPr>
+          <a:xfrm>
+            <a:off x="6832349" y="4294754"/>
+            <a:ext cx="4389120" cy="0"/>
+          </a:xfrm>
+          <a:prstGeom prst="line">
+            <a:avLst/>
+          </a:prstGeom>
+          <a:ln w="12700">
+            <a:solidFill>
+              <a:schemeClr val="tx1">
+                <a:lumMod val="75000"/>
+                <a:lumOff val="25000"/>
+              </a:schemeClr>
+            </a:solidFill>
+          </a:ln>
+        </p:spPr>
+        <p:style>
+          <a:lnRef idx="1">
+            <a:schemeClr val="accent1"/>
+          </a:lnRef>
+          <a:fillRef idx="0">
+            <a:schemeClr val="accent1"/>
+          </a:fillRef>
+          <a:effectRef idx="0">
+            <a:schemeClr val="accent1"/>
+          </a:effectRef>
+          <a:fontRef idx="minor">
+            <a:schemeClr val="tx1"/>
+          </a:fontRef>
+        </p:style>
+      </p:cxnSp>
+      <p:sp>
+        <p:nvSpPr>
+          <p:cNvPr id="53" name="Rectangle 52">
+            <a:extLst>
+              <a:ext uri="{FF2B5EF4-FFF2-40B4-BE49-F238E27FC236}">
+                <a16:creationId xmlns:a16="http://schemas.microsoft.com/office/drawing/2014/main" id="{2643D54E-3783-4880-A37B-C51FBC3934E8}"/>
+              </a:ext>
+              <a:ext uri="{C183D7F6-B498-43B3-948B-1728B52AA6E4}">
+                <adec:decorative xmlns:adec="http://schemas.microsoft.com/office/drawing/2017/decorative" val="1"/>
+              </a:ext>
+            </a:extLst>
+          </p:cNvPr>
+          <p:cNvSpPr>
+            <a:spLocks noGrp="1" noRot="1" noChangeAspect="1" noMove="1" noResize="1" noEditPoints="1" noAdjustHandles="1" noChangeArrowheads="1" noChangeShapeType="1" noTextEdit="1"/>
+          </p:cNvSpPr>
+          <p:nvPr>
+            <p:extLst>
+              <p:ext uri="{386F3935-93C4-4BCD-93E2-E3B085C9AB24}">
+                <p16:designElem xmlns:p16="http://schemas.microsoft.com/office/powerpoint/2015/main" val="1"/>
+              </p:ext>
+            </p:extLst>
+          </p:nvPr>
+        </p:nvSpPr>
+        <p:spPr>
+          <a:xfrm>
+            <a:off x="3175" y="6400800"/>
+            <a:ext cx="12188825" cy="457200"/>
+          </a:xfrm>
+          <a:prstGeom prst="rect">
+            <a:avLst/>
+          </a:prstGeom>
+          <a:solidFill>
+            <a:srgbClr val="262626"/>
+          </a:solidFill>
+          <a:ln>
+            <a:noFill/>
+          </a:ln>
+        </p:spPr>
+        <p:style>
+          <a:lnRef idx="2">
+            <a:schemeClr val="accent1">
+              <a:shade val="50000"/>
+            </a:schemeClr>
+          </a:lnRef>
+          <a:fillRef idx="1">
+            <a:schemeClr val="accent1"/>
+          </a:fillRef>
+          <a:effectRef idx="0">
+            <a:schemeClr val="accent1"/>
+          </a:effectRef>
+          <a:fontRef idx="minor">
+            <a:schemeClr val="lt1"/>
+          </a:fontRef>
+        </p:style>
+      </p:sp>
+    </p:spTree>
+    <p:extLst>
+      <p:ext uri="{BB962C8B-B14F-4D97-AF65-F5344CB8AC3E}">
+        <p14:creationId xmlns:p14="http://schemas.microsoft.com/office/powerpoint/2010/main" val="1721324969"/>
+      </p:ext>
+    </p:extLst>
+  </p:cSld>
+  <p:clrMapOvr>
+    <a:masterClrMapping/>
+  </p:clrMapOvr>
+</p:sld>
+</file>
+
+<file path=ppt/slides/slide5.xml><?xml version="1.0" encoding="utf-8"?>
+<p:sld xmlns:a="http://schemas.openxmlformats.org/drawingml/2006/main" xmlns:r="http://schemas.openxmlformats.org/officeDocument/2006/relationships" xmlns:p="http://schemas.openxmlformats.org/presentationml/2006/main">
+  <p:cSld>
+    <p:bg>
+      <p:bgPr>
+        <a:solidFill>
+          <a:schemeClr val="bg1"/>
+        </a:solidFill>
+        <a:effectLst/>
+      </p:bgPr>
+    </p:bg>
+    <p:spTree>
+      <p:nvGrpSpPr>
+        <p:cNvPr id="1" name=""/>
+        <p:cNvGrpSpPr/>
+        <p:nvPr/>
+      </p:nvGrpSpPr>
+      <p:grpSpPr>
+        <a:xfrm>
+          <a:off x="0" y="0"/>
+          <a:ext cx="0" cy="0"/>
+          <a:chOff x="0" y="0"/>
+          <a:chExt cx="0" cy="0"/>
+        </a:xfrm>
+      </p:grpSpPr>
+      <p:sp useBgFill="1">
+        <p:nvSpPr>
+          <p:cNvPr id="8" name="Rectangle 7">
+            <a:extLst>
+              <a:ext uri="{FF2B5EF4-FFF2-40B4-BE49-F238E27FC236}">
+                <a16:creationId xmlns:a16="http://schemas.microsoft.com/office/drawing/2014/main" id="{3741B58E-3B65-4A01-A276-975AB2CF8A08}"/>
+              </a:ext>
+              <a:ext uri="{C183D7F6-B498-43B3-948B-1728B52AA6E4}">
+                <adec:decorative xmlns:adec="http://schemas.microsoft.com/office/drawing/2017/decorative" val="1"/>
+              </a:ext>
+            </a:extLst>
+          </p:cNvPr>
+          <p:cNvSpPr>
+            <a:spLocks noGrp="1" noRot="1" noChangeAspect="1" noMove="1" noResize="1" noEditPoints="1" noAdjustHandles="1" noChangeArrowheads="1" noChangeShapeType="1" noTextEdit="1"/>
+          </p:cNvSpPr>
+          <p:nvPr>
+            <p:extLst>
+              <p:ext uri="{386F3935-93C4-4BCD-93E2-E3B085C9AB24}">
+                <p16:designElem xmlns:p16="http://schemas.microsoft.com/office/powerpoint/2015/main" val="1"/>
+              </p:ext>
+            </p:extLst>
+          </p:nvPr>
+        </p:nvSpPr>
+        <p:spPr>
+          <a:xfrm>
+            <a:off x="0" y="0"/>
+            <a:ext cx="12186315" cy="6858000"/>
+          </a:xfrm>
+          <a:prstGeom prst="rect">
+            <a:avLst/>
+          </a:prstGeom>
+          <a:ln>
+            <a:noFill/>
+          </a:ln>
+        </p:spPr>
+        <p:style>
+          <a:lnRef idx="2">
+            <a:schemeClr val="accent6">
+              <a:shade val="50000"/>
+            </a:schemeClr>
+          </a:lnRef>
+          <a:fillRef idx="1001">
+            <a:schemeClr val="lt1"/>
+          </a:fillRef>
+          <a:effectRef idx="0">
+            <a:schemeClr val="accent6"/>
+          </a:effectRef>
+          <a:fontRef idx="minor">
+            <a:schemeClr val="lt1"/>
+          </a:fontRef>
+        </p:style>
+        <p:txBody>
+          <a:bodyPr rtlCol="0" anchor="ctr"/>
+          <a:lstStyle/>
+          <a:p>
+            <a:pPr algn="ctr"/>
+            <a:endParaRPr lang="en-US"/>
+          </a:p>
+        </p:txBody>
+      </p:sp>
+      <p:sp>
+        <p:nvSpPr>
+          <p:cNvPr id="10" name="Rectangle 9">
+            <a:extLst>
+              <a:ext uri="{FF2B5EF4-FFF2-40B4-BE49-F238E27FC236}">
+                <a16:creationId xmlns:a16="http://schemas.microsoft.com/office/drawing/2014/main" id="{7AAC67C3-831B-4AB1-A259-DFB839CAFAFC}"/>
+              </a:ext>
+              <a:ext uri="{C183D7F6-B498-43B3-948B-1728B52AA6E4}">
+                <adec:decorative xmlns:adec="http://schemas.microsoft.com/office/drawing/2017/decorative" val="1"/>
+              </a:ext>
+            </a:extLst>
+          </p:cNvPr>
+          <p:cNvSpPr>
+            <a:spLocks noGrp="1" noRot="1" noChangeAspect="1" noMove="1" noResize="1" noEditPoints="1" noAdjustHandles="1" noChangeArrowheads="1" noChangeShapeType="1" noTextEdit="1"/>
+          </p:cNvSpPr>
+          <p:nvPr>
+            <p:extLst>
+              <p:ext uri="{386F3935-93C4-4BCD-93E2-E3B085C9AB24}">
+                <p16:designElem xmlns:p16="http://schemas.microsoft.com/office/powerpoint/2015/main" val="1"/>
+              </p:ext>
+            </p:extLst>
+          </p:nvPr>
+        </p:nvSpPr>
+        <p:spPr>
+          <a:xfrm>
+            <a:off x="16" y="0"/>
+            <a:ext cx="4648593" cy="6858000"/>
+          </a:xfrm>
+          <a:prstGeom prst="rect">
+            <a:avLst/>
+          </a:prstGeom>
+          <a:solidFill>
+            <a:srgbClr val="262626"/>
+          </a:solidFill>
+          <a:ln>
+            <a:noFill/>
+          </a:ln>
+        </p:spPr>
+        <p:style>
+          <a:lnRef idx="2">
+            <a:schemeClr val="accent1">
+              <a:shade val="50000"/>
+            </a:schemeClr>
+          </a:lnRef>
+          <a:fillRef idx="1">
+            <a:schemeClr val="accent1"/>
+          </a:fillRef>
+          <a:effectRef idx="0">
+            <a:schemeClr val="accent1"/>
+          </a:effectRef>
+          <a:fontRef idx="minor">
+            <a:schemeClr val="lt1"/>
+          </a:fontRef>
+        </p:style>
+      </p:sp>
+      <p:sp>
+        <p:nvSpPr>
+          <p:cNvPr id="2" name="Title 1">
+            <a:extLst>
+              <a:ext uri="{FF2B5EF4-FFF2-40B4-BE49-F238E27FC236}">
+                <a16:creationId xmlns:a16="http://schemas.microsoft.com/office/drawing/2014/main" id="{DA4F6A25-708A-4879-8F0E-1CB3B558E91D}"/>
+              </a:ext>
+            </a:extLst>
+          </p:cNvPr>
+          <p:cNvSpPr>
+            <a:spLocks noGrp="1"/>
+          </p:cNvSpPr>
+          <p:nvPr>
+            <p:ph type="title"/>
+          </p:nvPr>
+        </p:nvSpPr>
+        <p:spPr>
+          <a:xfrm>
+            <a:off x="492369" y="605896"/>
+            <a:ext cx="3642309" cy="5646208"/>
+          </a:xfrm>
+        </p:spPr>
+        <p:txBody>
+          <a:bodyPr anchor="ctr">
+            <a:normAutofit/>
+          </a:bodyPr>
+          <a:lstStyle/>
+          <a:p>
+            <a:r>
+              <a:rPr lang="en-US" sz="4400">
+                <a:solidFill>
+                  <a:srgbClr val="FFFFFF"/>
+                </a:solidFill>
+              </a:rPr>
+              <a:t>Future Plans</a:t>
+            </a:r>
+          </a:p>
+        </p:txBody>
+      </p:sp>
+      <p:sp>
+        <p:nvSpPr>
+          <p:cNvPr id="3" name="Content Placeholder 2">
+            <a:extLst>
+              <a:ext uri="{FF2B5EF4-FFF2-40B4-BE49-F238E27FC236}">
+                <a16:creationId xmlns:a16="http://schemas.microsoft.com/office/drawing/2014/main" id="{C8CBDB32-78AD-47E8-BE37-4EF8454454C2}"/>
+              </a:ext>
+            </a:extLst>
+          </p:cNvPr>
+          <p:cNvSpPr>
+            <a:spLocks noGrp="1"/>
+          </p:cNvSpPr>
+          <p:nvPr>
+            <p:ph idx="1"/>
+          </p:nvPr>
+        </p:nvSpPr>
+        <p:spPr>
+          <a:xfrm>
+            <a:off x="5231958" y="605896"/>
+            <a:ext cx="5923721" cy="5646208"/>
+          </a:xfrm>
+        </p:spPr>
+        <p:txBody>
+          <a:bodyPr anchor="ctr">
+            <a:normAutofit/>
+          </a:bodyPr>
+          <a:lstStyle/>
+          <a:p>
+            <a:r>
+              <a:rPr lang="en-US" sz="2400" dirty="0"/>
+              <a:t>Login with credentials</a:t>
+            </a:r>
+          </a:p>
+          <a:p>
+            <a:r>
+              <a:rPr lang="en-US" sz="2400" dirty="0"/>
+              <a:t>Purchase packages while logged in</a:t>
+            </a:r>
+          </a:p>
+          <a:p>
+            <a:r>
+              <a:rPr lang="en-US" sz="2400" dirty="0"/>
+              <a:t>Display users’ purchased bookings</a:t>
+            </a:r>
+          </a:p>
+        </p:txBody>
+      </p:sp>
+    </p:spTree>
+    <p:extLst>
+      <p:ext uri="{BB962C8B-B14F-4D97-AF65-F5344CB8AC3E}">
+        <p14:creationId xmlns:p14="http://schemas.microsoft.com/office/powerpoint/2010/main" val="3479812539"/>
+      </p:ext>
+    </p:extLst>
+  </p:cSld>
+  <p:clrMapOvr>
+    <a:masterClrMapping/>
+  </p:clrMapOvr>
+</p:sld>
+</file>
+
+<file path=ppt/slides/slide6.xml><?xml version="1.0" encoding="utf-8"?>
+<p:sld xmlns:a="http://schemas.openxmlformats.org/drawingml/2006/main" xmlns:r="http://schemas.openxmlformats.org/officeDocument/2006/relationships" xmlns:p="http://schemas.openxmlformats.org/presentationml/2006/main">
+  <p:cSld>
+    <p:bg>
+      <p:bgPr>
+        <a:solidFill>
+          <a:schemeClr val="bg1"/>
+        </a:solidFill>
+        <a:effectLst/>
+      </p:bgPr>
+    </p:bg>
+    <p:spTree>
+      <p:nvGrpSpPr>
+        <p:cNvPr id="1" name=""/>
+        <p:cNvGrpSpPr/>
+        <p:nvPr/>
+      </p:nvGrpSpPr>
+      <p:grpSpPr>
+        <a:xfrm>
+          <a:off x="0" y="0"/>
+          <a:ext cx="0" cy="0"/>
+          <a:chOff x="0" y="0"/>
+          <a:chExt cx="0" cy="0"/>
+        </a:xfrm>
+      </p:grpSpPr>
+      <p:sp useBgFill="1">
+        <p:nvSpPr>
+          <p:cNvPr id="8" name="Rectangle 7">
+            <a:extLst>
+              <a:ext uri="{FF2B5EF4-FFF2-40B4-BE49-F238E27FC236}">
+                <a16:creationId xmlns:a16="http://schemas.microsoft.com/office/drawing/2014/main" id="{3741B58E-3B65-4A01-A276-975AB2CF8A08}"/>
+              </a:ext>
+              <a:ext uri="{C183D7F6-B498-43B3-948B-1728B52AA6E4}">
+                <adec:decorative xmlns:adec="http://schemas.microsoft.com/office/drawing/2017/decorative" val="1"/>
+              </a:ext>
+            </a:extLst>
+          </p:cNvPr>
+          <p:cNvSpPr>
+            <a:spLocks noGrp="1" noRot="1" noChangeAspect="1" noMove="1" noResize="1" noEditPoints="1" noAdjustHandles="1" noChangeArrowheads="1" noChangeShapeType="1" noTextEdit="1"/>
+          </p:cNvSpPr>
+          <p:nvPr>
+            <p:extLst>
+              <p:ext uri="{386F3935-93C4-4BCD-93E2-E3B085C9AB24}">
+                <p16:designElem xmlns:p16="http://schemas.microsoft.com/office/powerpoint/2015/main" val="1"/>
+              </p:ext>
+            </p:extLst>
+          </p:nvPr>
+        </p:nvSpPr>
+        <p:spPr>
+          <a:xfrm>
+            <a:off x="0" y="0"/>
+            <a:ext cx="12186315" cy="6858000"/>
+          </a:xfrm>
+          <a:prstGeom prst="rect">
+            <a:avLst/>
+          </a:prstGeom>
+          <a:ln>
+            <a:noFill/>
+          </a:ln>
+        </p:spPr>
+        <p:style>
+          <a:lnRef idx="2">
+            <a:schemeClr val="accent6">
+              <a:shade val="50000"/>
+            </a:schemeClr>
+          </a:lnRef>
+          <a:fillRef idx="1001">
+            <a:schemeClr val="lt1"/>
+          </a:fillRef>
+          <a:effectRef idx="0">
+            <a:schemeClr val="accent6"/>
+          </a:effectRef>
+          <a:fontRef idx="minor">
+            <a:schemeClr val="lt1"/>
+          </a:fontRef>
+        </p:style>
+        <p:txBody>
+          <a:bodyPr rtlCol="0" anchor="ctr"/>
+          <a:lstStyle/>
+          <a:p>
+            <a:pPr algn="ctr"/>
+            <a:endParaRPr lang="en-US"/>
+          </a:p>
+        </p:txBody>
+      </p:sp>
+      <p:sp>
+        <p:nvSpPr>
+          <p:cNvPr id="10" name="Rectangle 9">
+            <a:extLst>
+              <a:ext uri="{FF2B5EF4-FFF2-40B4-BE49-F238E27FC236}">
+                <a16:creationId xmlns:a16="http://schemas.microsoft.com/office/drawing/2014/main" id="{7AAC67C3-831B-4AB1-A259-DFB839CAFAFC}"/>
+              </a:ext>
+              <a:ext uri="{C183D7F6-B498-43B3-948B-1728B52AA6E4}">
+                <adec:decorative xmlns:adec="http://schemas.microsoft.com/office/drawing/2017/decorative" val="1"/>
+              </a:ext>
+            </a:extLst>
+          </p:cNvPr>
+          <p:cNvSpPr>
+            <a:spLocks noGrp="1" noRot="1" noChangeAspect="1" noMove="1" noResize="1" noEditPoints="1" noAdjustHandles="1" noChangeArrowheads="1" noChangeShapeType="1" noTextEdit="1"/>
+          </p:cNvSpPr>
+          <p:nvPr>
+            <p:extLst>
+              <p:ext uri="{386F3935-93C4-4BCD-93E2-E3B085C9AB24}">
+                <p16:designElem xmlns:p16="http://schemas.microsoft.com/office/powerpoint/2015/main" val="1"/>
+              </p:ext>
+            </p:extLst>
+          </p:nvPr>
+        </p:nvSpPr>
+        <p:spPr>
+          <a:xfrm>
+            <a:off x="16" y="0"/>
+            <a:ext cx="4648593" cy="6858000"/>
+          </a:xfrm>
+          <a:prstGeom prst="rect">
+            <a:avLst/>
+          </a:prstGeom>
+          <a:solidFill>
+            <a:srgbClr val="262626"/>
+          </a:solidFill>
+          <a:ln>
+            <a:noFill/>
+          </a:ln>
+        </p:spPr>
+        <p:style>
+          <a:lnRef idx="2">
+            <a:schemeClr val="accent1">
+              <a:shade val="50000"/>
+            </a:schemeClr>
+          </a:lnRef>
+          <a:fillRef idx="1">
+            <a:schemeClr val="accent1"/>
+          </a:fillRef>
+          <a:effectRef idx="0">
+            <a:schemeClr val="accent1"/>
+          </a:effectRef>
+          <a:fontRef idx="minor">
+            <a:schemeClr val="lt1"/>
+          </a:fontRef>
+        </p:style>
+      </p:sp>
+      <p:sp>
+        <p:nvSpPr>
+          <p:cNvPr id="2" name="Title 1">
+            <a:extLst>
+              <a:ext uri="{FF2B5EF4-FFF2-40B4-BE49-F238E27FC236}">
+                <a16:creationId xmlns:a16="http://schemas.microsoft.com/office/drawing/2014/main" id="{1A356CE7-A013-419B-8F40-8A7D5388DFB6}"/>
+              </a:ext>
+            </a:extLst>
+          </p:cNvPr>
+          <p:cNvSpPr>
+            <a:spLocks noGrp="1"/>
+          </p:cNvSpPr>
+          <p:nvPr>
+            <p:ph type="title"/>
+          </p:nvPr>
+        </p:nvSpPr>
+        <p:spPr>
+          <a:xfrm>
+            <a:off x="492369" y="605896"/>
+            <a:ext cx="3642309" cy="5646208"/>
+          </a:xfrm>
+        </p:spPr>
+        <p:txBody>
+          <a:bodyPr anchor="ctr">
+            <a:normAutofit/>
+          </a:bodyPr>
+          <a:lstStyle/>
+          <a:p>
+            <a:r>
+              <a:rPr lang="en-US" sz="4400">
+                <a:solidFill>
+                  <a:srgbClr val="FFFFFF"/>
+                </a:solidFill>
+              </a:rPr>
+              <a:t>Suggestions</a:t>
+            </a:r>
+          </a:p>
+        </p:txBody>
+      </p:sp>
+      <p:sp>
+        <p:nvSpPr>
+          <p:cNvPr id="3" name="Content Placeholder 2">
+            <a:extLst>
+              <a:ext uri="{FF2B5EF4-FFF2-40B4-BE49-F238E27FC236}">
+                <a16:creationId xmlns:a16="http://schemas.microsoft.com/office/drawing/2014/main" id="{7BAB77BA-A651-452B-BC30-797C1D9DA63C}"/>
+              </a:ext>
+            </a:extLst>
+          </p:cNvPr>
+          <p:cNvSpPr>
+            <a:spLocks noGrp="1"/>
+          </p:cNvSpPr>
+          <p:nvPr>
+            <p:ph idx="1"/>
+          </p:nvPr>
+        </p:nvSpPr>
+        <p:spPr>
+          <a:xfrm>
+            <a:off x="5231958" y="605896"/>
+            <a:ext cx="5923721" cy="5646208"/>
+          </a:xfrm>
+        </p:spPr>
+        <p:txBody>
+          <a:bodyPr anchor="ctr">
+            <a:normAutofit/>
+          </a:bodyPr>
+          <a:lstStyle/>
+          <a:p>
+            <a:r>
+              <a:rPr lang="en-US" sz="2400" dirty="0"/>
+              <a:t>Live agent for customer interaction</a:t>
+            </a:r>
+          </a:p>
+          <a:p>
+            <a:r>
+              <a:rPr lang="en-US" sz="2400" dirty="0"/>
+              <a:t>User can customize his</a:t>
+            </a:r>
+            <a:r>
+              <a:rPr lang="en-US" sz="2400"/>
+              <a:t>/her own </a:t>
+            </a:r>
+            <a:r>
+              <a:rPr lang="en-US" sz="2400" dirty="0"/>
+              <a:t>packages</a:t>
+            </a:r>
+          </a:p>
+        </p:txBody>
+      </p:sp>
+    </p:spTree>
+    <p:extLst>
+      <p:ext uri="{BB962C8B-B14F-4D97-AF65-F5344CB8AC3E}">
+        <p14:creationId xmlns:p14="http://schemas.microsoft.com/office/powerpoint/2010/main" val="1636239046"/>
       </p:ext>
     </p:extLst>
   </p:cSld>

--- a/presentation.pptx
+++ b/presentation.pptx
@@ -361,7 +361,7 @@
           <a:p>
             <a:fld id="{9184DA70-C731-4C70-880D-CCD4705E623C}" type="datetime1">
               <a:rPr lang="en-US" smtClean="0"/>
-              <a:t>14-Aug-19</a:t>
+              <a:t>8/14/2019</a:t>
             </a:fld>
             <a:endParaRPr lang="en-US" dirty="0"/>
           </a:p>
@@ -549,7 +549,7 @@
           <a:p>
             <a:fld id="{B612A279-0833-481D-8C56-F67FD0AC6C50}" type="datetime1">
               <a:rPr lang="en-US" smtClean="0"/>
-              <a:t>14-Aug-19</a:t>
+              <a:t>8/14/2019</a:t>
             </a:fld>
             <a:endParaRPr lang="en-US" dirty="0"/>
           </a:p>
@@ -791,7 +791,7 @@
           <a:p>
             <a:fld id="{6587DA83-5663-4C9C-B9AA-0B40A3DAFF81}" type="datetime1">
               <a:rPr lang="en-US" smtClean="0"/>
-              <a:t>14-Aug-19</a:t>
+              <a:t>8/14/2019</a:t>
             </a:fld>
             <a:endParaRPr lang="en-US" dirty="0"/>
           </a:p>
@@ -979,7 +979,7 @@
           <a:p>
             <a:fld id="{4BE1D723-8F53-4F53-90B0-1982A396982E}" type="datetime1">
               <a:rPr lang="en-US" smtClean="0"/>
-              <a:t>14-Aug-19</a:t>
+              <a:t>8/14/2019</a:t>
             </a:fld>
             <a:endParaRPr lang="en-US" dirty="0"/>
           </a:p>
@@ -1352,7 +1352,7 @@
           <a:p>
             <a:fld id="{97669AF7-7BEB-44E4-9852-375E34362B5B}" type="datetime1">
               <a:rPr lang="en-US" smtClean="0"/>
-              <a:t>14-Aug-19</a:t>
+              <a:t>8/14/2019</a:t>
             </a:fld>
             <a:endParaRPr lang="en-US" dirty="0"/>
           </a:p>
@@ -1607,7 +1607,7 @@
           <a:p>
             <a:fld id="{BAAAC38D-0552-4C82-B593-E6124DFADBE2}" type="datetime1">
               <a:rPr lang="en-US" smtClean="0"/>
-              <a:t>14-Aug-19</a:t>
+              <a:t>8/14/2019</a:t>
             </a:fld>
             <a:endParaRPr lang="en-US" dirty="0"/>
           </a:p>
@@ -2004,7 +2004,7 @@
           <a:p>
             <a:fld id="{D9DF0F1C-5577-4ACB-BB62-DF8F3C494C7E}" type="datetime1">
               <a:rPr lang="en-US" smtClean="0"/>
-              <a:t>14-Aug-19</a:t>
+              <a:t>8/14/2019</a:t>
             </a:fld>
             <a:endParaRPr lang="en-US" dirty="0"/>
           </a:p>
@@ -2140,7 +2140,7 @@
           <a:p>
             <a:fld id="{1775B394-D9F9-4F0C-B15D-605F45CB9E9F}" type="datetime1">
               <a:rPr lang="en-US" smtClean="0"/>
-              <a:t>14-Aug-19</a:t>
+              <a:t>8/14/2019</a:t>
             </a:fld>
             <a:endParaRPr lang="en-US" dirty="0"/>
           </a:p>
@@ -2297,7 +2297,7 @@
           <a:p>
             <a:fld id="{39667345-2558-425A-8533-9BFDBCE15005}" type="datetime1">
               <a:rPr lang="en-US" smtClean="0"/>
-              <a:t>14-Aug-19</a:t>
+              <a:t>8/14/2019</a:t>
             </a:fld>
             <a:endParaRPr lang="en-US" dirty="0"/>
           </a:p>
@@ -2626,7 +2626,7 @@
           <a:p>
             <a:fld id="{92BEA474-078D-4E9B-9B14-09A87B19DC46}" type="datetime1">
               <a:rPr lang="en-US" smtClean="0"/>
-              <a:t>14-Aug-19</a:t>
+              <a:t>8/14/2019</a:t>
             </a:fld>
             <a:endParaRPr lang="en-US" dirty="0"/>
           </a:p>
@@ -2976,7 +2976,7 @@
           <a:p>
             <a:fld id="{4907D986-8816-4272-A432-0437A28A9828}" type="datetime1">
               <a:rPr lang="en-US" smtClean="0"/>
-              <a:t>14-Aug-19</a:t>
+              <a:t>8/14/2019</a:t>
             </a:fld>
             <a:endParaRPr lang="en-US" dirty="0"/>
           </a:p>
@@ -3237,7 +3237,7 @@
           <a:p>
             <a:fld id="{62D6E202-B606-4609-B914-27C9371A1F6D}" type="datetime1">
               <a:rPr lang="en-US" smtClean="0"/>
-              <a:t>14-Aug-19</a:t>
+              <a:t>8/14/2019</a:t>
             </a:fld>
             <a:endParaRPr lang="en-US" dirty="0"/>
           </a:p>
@@ -5191,6 +5191,23 @@
               <a:t>Display users’ purchased bookings</a:t>
             </a:r>
           </a:p>
+          <a:p>
+            <a:r>
+              <a:rPr lang="en-US" sz="2400" dirty="0"/>
+              <a:t>Responsive Design</a:t>
+            </a:r>
+          </a:p>
+          <a:p>
+            <a:r>
+              <a:rPr lang="en-US" sz="2400" dirty="0"/>
+              <a:t>Different privileges depending </a:t>
+            </a:r>
+            <a:r>
+              <a:rPr lang="en-US" sz="2400"/>
+              <a:t>on user role</a:t>
+            </a:r>
+            <a:endParaRPr lang="en-US" sz="2400" dirty="0"/>
+          </a:p>
         </p:txBody>
       </p:sp>
     </p:spTree>
@@ -5421,15 +5438,13 @@
           <a:p>
             <a:r>
               <a:rPr lang="en-US" sz="2400" dirty="0"/>
-              <a:t>User can customize his</a:t>
-            </a:r>
-            <a:r>
-              <a:rPr lang="en-US" sz="2400"/>
-              <a:t>/her own </a:t>
-            </a:r>
+              <a:t>User can customize his/her own packages</a:t>
+            </a:r>
+          </a:p>
+          <a:p>
             <a:r>
               <a:rPr lang="en-US" sz="2400" dirty="0"/>
-              <a:t>packages</a:t>
+              <a:t>Shopping Cart</a:t>
             </a:r>
           </a:p>
         </p:txBody>
